--- a/Programación web/Presentación.pptx
+++ b/Programación web/Presentación.pptx
@@ -5,7 +5,7 @@
     <p:sldMasterId id="2147483648" r:id="rId1"/>
   </p:sldMasterIdLst>
   <p:handoutMasterIdLst>
-    <p:handoutMasterId r:id="rId9"/>
+    <p:handoutMasterId r:id="rId11"/>
   </p:handoutMasterIdLst>
   <p:sldIdLst>
     <p:sldId id="256" r:id="rId2"/>
@@ -14,7 +14,9 @@
     <p:sldId id="264" r:id="rId5"/>
     <p:sldId id="263" r:id="rId6"/>
     <p:sldId id="266" r:id="rId7"/>
-    <p:sldId id="261" r:id="rId8"/>
+    <p:sldId id="267" r:id="rId8"/>
+    <p:sldId id="269" r:id="rId9"/>
+    <p:sldId id="261" r:id="rId10"/>
   </p:sldIdLst>
   <p:sldSz cx="12192000" cy="6858000"/>
   <p:notesSz cx="6858000" cy="9144000"/>
@@ -218,7 +220,7 @@
           <a:p>
             <a:fld id="{7FF7D7FF-DDC7-474C-8526-899954A31AD1}" type="datetimeFigureOut">
               <a:rPr lang="es-EC" smtClean="0"/>
-              <a:t>13/3/2024</a:t>
+              <a:t>1/4/2024</a:t>
             </a:fld>
             <a:endParaRPr lang="es-EC"/>
           </a:p>
@@ -644,7 +646,7 @@
           <a:p>
             <a:fld id="{8FEB83C7-CE7D-EE43-931B-A983B2AE7CF3}" type="datetimeFigureOut">
               <a:rPr lang="es-EC" smtClean="0"/>
-              <a:t>13/3/2024</a:t>
+              <a:t>1/4/2024</a:t>
             </a:fld>
             <a:endParaRPr lang="es-EC"/>
           </a:p>
@@ -2415,7 +2417,7 @@
           <a:p>
             <a:r>
               <a:rPr lang="es-EC" sz="3200" b="1" dirty="0"/>
-              <a:t>Tarea final: Responder a estas dos preguntas</a:t>
+              <a:t>Penúltima Tarea: Responder a estas dos preguntas</a:t>
             </a:r>
           </a:p>
         </p:txBody>
@@ -2559,6 +2561,470 @@
 </file>
 
 <file path=ppt/slides/slide7.xml><?xml version="1.0" encoding="utf-8"?>
+<p:sld xmlns:a="http://schemas.openxmlformats.org/drawingml/2006/main" xmlns:r="http://schemas.openxmlformats.org/officeDocument/2006/relationships" xmlns:p="http://schemas.openxmlformats.org/presentationml/2006/main">
+  <p:cSld>
+    <p:spTree>
+      <p:nvGrpSpPr>
+        <p:cNvPr id="1" name="">
+          <a:extLst>
+            <a:ext uri="{FF2B5EF4-FFF2-40B4-BE49-F238E27FC236}">
+              <a16:creationId xmlns:a16="http://schemas.microsoft.com/office/drawing/2014/main" id="{4364D4C1-C8CF-D8DA-4037-7B3E8CA56EAE}"/>
+            </a:ext>
+          </a:extLst>
+        </p:cNvPr>
+        <p:cNvGrpSpPr/>
+        <p:nvPr/>
+      </p:nvGrpSpPr>
+      <p:grpSpPr>
+        <a:xfrm>
+          <a:off x="0" y="0"/>
+          <a:ext cx="0" cy="0"/>
+          <a:chOff x="0" y="0"/>
+          <a:chExt cx="0" cy="0"/>
+        </a:xfrm>
+      </p:grpSpPr>
+      <p:sp>
+        <p:nvSpPr>
+          <p:cNvPr id="2" name="Título 1">
+            <a:extLst>
+              <a:ext uri="{FF2B5EF4-FFF2-40B4-BE49-F238E27FC236}">
+                <a16:creationId xmlns:a16="http://schemas.microsoft.com/office/drawing/2014/main" id="{B67F9073-34BB-C42E-1983-2746FE254270}"/>
+              </a:ext>
+            </a:extLst>
+          </p:cNvPr>
+          <p:cNvSpPr>
+            <a:spLocks noGrp="1"/>
+          </p:cNvSpPr>
+          <p:nvPr>
+            <p:ph type="title" idx="4294967295"/>
+          </p:nvPr>
+        </p:nvSpPr>
+        <p:spPr>
+          <a:xfrm>
+            <a:off x="492369" y="1395046"/>
+            <a:ext cx="11218985" cy="295642"/>
+          </a:xfrm>
+        </p:spPr>
+        <p:txBody>
+          <a:bodyPr>
+            <a:noAutofit/>
+          </a:bodyPr>
+          <a:lstStyle/>
+          <a:p>
+            <a:r>
+              <a:rPr lang="es-EC" sz="3200" b="1" dirty="0"/>
+              <a:t>Última Tarea: Ensayo</a:t>
+            </a:r>
+          </a:p>
+        </p:txBody>
+      </p:sp>
+      <p:sp>
+        <p:nvSpPr>
+          <p:cNvPr id="3" name="Marcador de contenido 2">
+            <a:extLst>
+              <a:ext uri="{FF2B5EF4-FFF2-40B4-BE49-F238E27FC236}">
+                <a16:creationId xmlns:a16="http://schemas.microsoft.com/office/drawing/2014/main" id="{80FFA34E-F3BA-390E-368D-4894037A3CBB}"/>
+              </a:ext>
+            </a:extLst>
+          </p:cNvPr>
+          <p:cNvSpPr>
+            <a:spLocks noGrp="1"/>
+          </p:cNvSpPr>
+          <p:nvPr>
+            <p:ph idx="4294967295"/>
+          </p:nvPr>
+        </p:nvSpPr>
+        <p:spPr>
+          <a:xfrm>
+            <a:off x="492369" y="1825625"/>
+            <a:ext cx="11218985" cy="4351338"/>
+          </a:xfrm>
+        </p:spPr>
+        <p:txBody>
+          <a:bodyPr>
+            <a:normAutofit/>
+          </a:bodyPr>
+          <a:lstStyle/>
+          <a:p>
+            <a:pPr algn="just"/>
+            <a:endParaRPr lang="es-EC" sz="1400" dirty="0"/>
+          </a:p>
+          <a:p>
+            <a:pPr algn="just"/>
+            <a:r>
+              <a:rPr lang="es-EC" sz="1600" dirty="0"/>
+              <a:t>Escribir un ensayo de una página y máximo tres en el que empleando sus propias palabras describa la </a:t>
+            </a:r>
+            <a:r>
+              <a:rPr lang="es-EC" sz="1600" b="1" dirty="0"/>
+              <a:t>importancia de la Programación Web en el mundo del Marketing Digital </a:t>
+            </a:r>
+            <a:r>
+              <a:rPr lang="es-EC" sz="1600" dirty="0"/>
+              <a:t>y cómo podría </a:t>
+            </a:r>
+            <a:r>
+              <a:rPr lang="es-EC" sz="1600" b="1" dirty="0"/>
+              <a:t>aplicar lo aprendido en el módulo en su ejercicio profesional diario. </a:t>
+            </a:r>
+            <a:endParaRPr lang="es-EC" sz="1400" b="1" dirty="0"/>
+          </a:p>
+          <a:p>
+            <a:endParaRPr lang="es-EC" sz="2000" dirty="0"/>
+          </a:p>
+        </p:txBody>
+      </p:sp>
+      <p:pic>
+        <p:nvPicPr>
+          <p:cNvPr id="4" name="Picture 2" descr="Lenguajes de programación más usados para desarrollar una web">
+            <a:extLst>
+              <a:ext uri="{FF2B5EF4-FFF2-40B4-BE49-F238E27FC236}">
+                <a16:creationId xmlns:a16="http://schemas.microsoft.com/office/drawing/2014/main" id="{7288E69B-A00E-5511-BDC8-3E23D67A1CA6}"/>
+              </a:ext>
+            </a:extLst>
+          </p:cNvPr>
+          <p:cNvPicPr>
+            <a:picLocks noChangeAspect="1" noChangeArrowheads="1"/>
+          </p:cNvPicPr>
+          <p:nvPr/>
+        </p:nvPicPr>
+        <p:blipFill>
+          <a:blip r:embed="rId2">
+            <a:extLst>
+              <a:ext uri="{28A0092B-C50C-407E-A947-70E740481C1C}">
+                <a14:useLocalDpi xmlns:a14="http://schemas.microsoft.com/office/drawing/2010/main" val="0"/>
+              </a:ext>
+            </a:extLst>
+          </a:blip>
+          <a:srcRect/>
+          <a:stretch>
+            <a:fillRect/>
+          </a:stretch>
+        </p:blipFill>
+        <p:spPr bwMode="auto">
+          <a:xfrm>
+            <a:off x="3982179" y="3096276"/>
+            <a:ext cx="4601984" cy="2802712"/>
+          </a:xfrm>
+          <a:prstGeom prst="rect">
+            <a:avLst/>
+          </a:prstGeom>
+          <a:noFill/>
+          <a:extLst>
+            <a:ext uri="{909E8E84-426E-40DD-AFC4-6F175D3DCCD1}">
+              <a14:hiddenFill xmlns:a14="http://schemas.microsoft.com/office/drawing/2010/main">
+                <a:solidFill>
+                  <a:srgbClr val="FFFFFF"/>
+                </a:solidFill>
+              </a14:hiddenFill>
+            </a:ext>
+          </a:extLst>
+        </p:spPr>
+      </p:pic>
+    </p:spTree>
+    <p:extLst>
+      <p:ext uri="{BB962C8B-B14F-4D97-AF65-F5344CB8AC3E}">
+        <p14:creationId xmlns:p14="http://schemas.microsoft.com/office/powerpoint/2010/main" val="186135857"/>
+      </p:ext>
+    </p:extLst>
+  </p:cSld>
+  <p:clrMapOvr>
+    <a:masterClrMapping/>
+  </p:clrMapOvr>
+</p:sld>
+</file>
+
+<file path=ppt/slides/slide8.xml><?xml version="1.0" encoding="utf-8"?>
+<p:sld xmlns:a="http://schemas.openxmlformats.org/drawingml/2006/main" xmlns:r="http://schemas.openxmlformats.org/officeDocument/2006/relationships" xmlns:p="http://schemas.openxmlformats.org/presentationml/2006/main">
+  <p:cSld>
+    <p:spTree>
+      <p:nvGrpSpPr>
+        <p:cNvPr id="1" name="">
+          <a:extLst>
+            <a:ext uri="{FF2B5EF4-FFF2-40B4-BE49-F238E27FC236}">
+              <a16:creationId xmlns:a16="http://schemas.microsoft.com/office/drawing/2014/main" id="{4364D4C1-C8CF-D8DA-4037-7B3E8CA56EAE}"/>
+            </a:ext>
+          </a:extLst>
+        </p:cNvPr>
+        <p:cNvGrpSpPr/>
+        <p:nvPr/>
+      </p:nvGrpSpPr>
+      <p:grpSpPr>
+        <a:xfrm>
+          <a:off x="0" y="0"/>
+          <a:ext cx="0" cy="0"/>
+          <a:chOff x="0" y="0"/>
+          <a:chExt cx="0" cy="0"/>
+        </a:xfrm>
+      </p:grpSpPr>
+      <p:sp>
+        <p:nvSpPr>
+          <p:cNvPr id="2" name="Título 1">
+            <a:extLst>
+              <a:ext uri="{FF2B5EF4-FFF2-40B4-BE49-F238E27FC236}">
+                <a16:creationId xmlns:a16="http://schemas.microsoft.com/office/drawing/2014/main" id="{B67F9073-34BB-C42E-1983-2746FE254270}"/>
+              </a:ext>
+            </a:extLst>
+          </p:cNvPr>
+          <p:cNvSpPr>
+            <a:spLocks noGrp="1"/>
+          </p:cNvSpPr>
+          <p:nvPr>
+            <p:ph type="title" idx="4294967295"/>
+          </p:nvPr>
+        </p:nvSpPr>
+        <p:spPr>
+          <a:xfrm>
+            <a:off x="492369" y="1395046"/>
+            <a:ext cx="11218985" cy="295642"/>
+          </a:xfrm>
+        </p:spPr>
+        <p:txBody>
+          <a:bodyPr>
+            <a:noAutofit/>
+          </a:bodyPr>
+          <a:lstStyle/>
+          <a:p>
+            <a:r>
+              <a:rPr lang="es-EC" sz="3200" b="1" dirty="0"/>
+              <a:t>Proyecto de Fin de Curso</a:t>
+            </a:r>
+          </a:p>
+        </p:txBody>
+      </p:sp>
+      <p:sp>
+        <p:nvSpPr>
+          <p:cNvPr id="3" name="Marcador de contenido 2">
+            <a:extLst>
+              <a:ext uri="{FF2B5EF4-FFF2-40B4-BE49-F238E27FC236}">
+                <a16:creationId xmlns:a16="http://schemas.microsoft.com/office/drawing/2014/main" id="{80FFA34E-F3BA-390E-368D-4894037A3CBB}"/>
+              </a:ext>
+            </a:extLst>
+          </p:cNvPr>
+          <p:cNvSpPr>
+            <a:spLocks noGrp="1"/>
+          </p:cNvSpPr>
+          <p:nvPr>
+            <p:ph idx="4294967295"/>
+          </p:nvPr>
+        </p:nvSpPr>
+        <p:spPr>
+          <a:xfrm>
+            <a:off x="492369" y="1678182"/>
+            <a:ext cx="11218985" cy="4351338"/>
+          </a:xfrm>
+        </p:spPr>
+        <p:txBody>
+          <a:bodyPr>
+            <a:normAutofit/>
+          </a:bodyPr>
+          <a:lstStyle/>
+          <a:p>
+            <a:pPr algn="just"/>
+            <a:endParaRPr lang="es-EC" sz="1400" dirty="0"/>
+          </a:p>
+          <a:p>
+            <a:r>
+              <a:rPr lang="es-419" sz="1600" dirty="0"/>
+              <a:t>Diseñar un sitio web que tenga como objetivo vender la ESFERA FAYAC. </a:t>
+            </a:r>
+          </a:p>
+          <a:p>
+            <a:pPr marL="0" indent="0">
+              <a:buNone/>
+            </a:pPr>
+            <a:endParaRPr lang="es-EC" sz="2000" dirty="0"/>
+          </a:p>
+        </p:txBody>
+      </p:sp>
+      <p:sp>
+        <p:nvSpPr>
+          <p:cNvPr id="5" name="CuadroTexto 4">
+            <a:extLst>
+              <a:ext uri="{FF2B5EF4-FFF2-40B4-BE49-F238E27FC236}">
+                <a16:creationId xmlns:a16="http://schemas.microsoft.com/office/drawing/2014/main" id="{718192E6-A402-301A-931F-41FF74E318BB}"/>
+              </a:ext>
+            </a:extLst>
+          </p:cNvPr>
+          <p:cNvSpPr txBox="1"/>
+          <p:nvPr/>
+        </p:nvSpPr>
+        <p:spPr>
+          <a:xfrm>
+            <a:off x="6375918" y="2576049"/>
+            <a:ext cx="4438779" cy="3693319"/>
+          </a:xfrm>
+          <a:prstGeom prst="rect">
+            <a:avLst/>
+          </a:prstGeom>
+          <a:noFill/>
+        </p:spPr>
+        <p:txBody>
+          <a:bodyPr wrap="none" rtlCol="0">
+            <a:spAutoFit/>
+          </a:bodyPr>
+          <a:lstStyle/>
+          <a:p>
+            <a:pPr marL="285750" indent="-285750">
+              <a:buFont typeface="Arial" panose="020B0604020202020204" pitchFamily="34" charset="0"/>
+              <a:buChar char="•"/>
+            </a:pPr>
+            <a:r>
+              <a:rPr lang="es-419" dirty="0"/>
+              <a:t>Rompecabezas tridimensional.</a:t>
+            </a:r>
+          </a:p>
+          <a:p>
+            <a:pPr marL="285750" indent="-285750">
+              <a:buFont typeface="Arial" panose="020B0604020202020204" pitchFamily="34" charset="0"/>
+              <a:buChar char="•"/>
+            </a:pPr>
+            <a:r>
+              <a:rPr lang="es-419" dirty="0"/>
+              <a:t>Creado por un científico ecuatoriano.</a:t>
+            </a:r>
+          </a:p>
+          <a:p>
+            <a:endParaRPr lang="es-419" dirty="0"/>
+          </a:p>
+          <a:p>
+            <a:r>
+              <a:rPr lang="es-419" dirty="0"/>
+              <a:t>Información que podría incluir la página web:</a:t>
+            </a:r>
+          </a:p>
+          <a:p>
+            <a:endParaRPr lang="es-419" dirty="0"/>
+          </a:p>
+          <a:p>
+            <a:pPr marL="285750" indent="-285750">
+              <a:buFont typeface="Arial" panose="020B0604020202020204" pitchFamily="34" charset="0"/>
+              <a:buChar char="•"/>
+            </a:pPr>
+            <a:r>
+              <a:rPr lang="es-419" dirty="0"/>
+              <a:t>Creador</a:t>
+            </a:r>
+          </a:p>
+          <a:p>
+            <a:pPr marL="285750" indent="-285750">
+              <a:buFont typeface="Arial" panose="020B0604020202020204" pitchFamily="34" charset="0"/>
+              <a:buChar char="•"/>
+            </a:pPr>
+            <a:r>
+              <a:rPr lang="es-419" dirty="0"/>
+              <a:t>Características del rompecabezas</a:t>
+            </a:r>
+          </a:p>
+          <a:p>
+            <a:pPr marL="285750" indent="-285750">
+              <a:buFont typeface="Arial" panose="020B0604020202020204" pitchFamily="34" charset="0"/>
+              <a:buChar char="•"/>
+            </a:pPr>
+            <a:r>
+              <a:rPr lang="es-419" dirty="0"/>
+              <a:t>Beneficios para los niños</a:t>
+            </a:r>
+          </a:p>
+          <a:p>
+            <a:pPr marL="285750" indent="-285750">
+              <a:buFont typeface="Arial" panose="020B0604020202020204" pitchFamily="34" charset="0"/>
+              <a:buChar char="•"/>
+            </a:pPr>
+            <a:r>
+              <a:rPr lang="es-419" dirty="0"/>
+              <a:t>Precio de mercado</a:t>
+            </a:r>
+          </a:p>
+          <a:p>
+            <a:pPr marL="285750" indent="-285750">
+              <a:buFont typeface="Arial" panose="020B0604020202020204" pitchFamily="34" charset="0"/>
+              <a:buChar char="•"/>
+            </a:pPr>
+            <a:r>
+              <a:rPr lang="es-419" dirty="0"/>
+              <a:t>Historia de su creación</a:t>
+            </a:r>
+          </a:p>
+          <a:p>
+            <a:pPr marL="285750" indent="-285750">
+              <a:buFont typeface="Arial" panose="020B0604020202020204" pitchFamily="34" charset="0"/>
+              <a:buChar char="•"/>
+            </a:pPr>
+            <a:r>
+              <a:rPr lang="es-419" dirty="0"/>
+              <a:t>Presentaciones</a:t>
+            </a:r>
+          </a:p>
+          <a:p>
+            <a:endParaRPr lang="es-419" dirty="0"/>
+          </a:p>
+          <a:p>
+            <a:endParaRPr lang="es-419" dirty="0"/>
+          </a:p>
+        </p:txBody>
+      </p:sp>
+      <p:pic>
+        <p:nvPicPr>
+          <p:cNvPr id="6" name="Picture 2" descr="Esfera 'Fayac', el invento de un ecuatoriano que pretende que sea usado en  escuelas y universidades para la enseñanza de geometría - RT">
+            <a:extLst>
+              <a:ext uri="{FF2B5EF4-FFF2-40B4-BE49-F238E27FC236}">
+                <a16:creationId xmlns:a16="http://schemas.microsoft.com/office/drawing/2014/main" id="{C8BA6279-698F-0948-3642-D026759B338E}"/>
+              </a:ext>
+            </a:extLst>
+          </p:cNvPr>
+          <p:cNvPicPr>
+            <a:picLocks noChangeAspect="1" noChangeArrowheads="1"/>
+          </p:cNvPicPr>
+          <p:nvPr/>
+        </p:nvPicPr>
+        <p:blipFill>
+          <a:blip r:embed="rId2">
+            <a:extLst>
+              <a:ext uri="{28A0092B-C50C-407E-A947-70E740481C1C}">
+                <a14:useLocalDpi xmlns:a14="http://schemas.microsoft.com/office/drawing/2010/main" val="0"/>
+              </a:ext>
+            </a:extLst>
+          </a:blip>
+          <a:srcRect/>
+          <a:stretch>
+            <a:fillRect/>
+          </a:stretch>
+        </p:blipFill>
+        <p:spPr bwMode="auto">
+          <a:xfrm>
+            <a:off x="1108887" y="2752531"/>
+            <a:ext cx="4117469" cy="3091860"/>
+          </a:xfrm>
+          <a:prstGeom prst="rect">
+            <a:avLst/>
+          </a:prstGeom>
+          <a:noFill/>
+          <a:extLst>
+            <a:ext uri="{909E8E84-426E-40DD-AFC4-6F175D3DCCD1}">
+              <a14:hiddenFill xmlns:a14="http://schemas.microsoft.com/office/drawing/2010/main">
+                <a:solidFill>
+                  <a:srgbClr val="FFFFFF"/>
+                </a:solidFill>
+              </a14:hiddenFill>
+            </a:ext>
+          </a:extLst>
+        </p:spPr>
+      </p:pic>
+    </p:spTree>
+    <p:extLst>
+      <p:ext uri="{BB962C8B-B14F-4D97-AF65-F5344CB8AC3E}">
+        <p14:creationId xmlns:p14="http://schemas.microsoft.com/office/powerpoint/2010/main" val="3737275313"/>
+      </p:ext>
+    </p:extLst>
+  </p:cSld>
+  <p:clrMapOvr>
+    <a:masterClrMapping/>
+  </p:clrMapOvr>
+</p:sld>
+</file>
+
+<file path=ppt/slides/slide9.xml><?xml version="1.0" encoding="utf-8"?>
 <p:sld xmlns:a="http://schemas.openxmlformats.org/drawingml/2006/main" xmlns:r="http://schemas.openxmlformats.org/officeDocument/2006/relationships" xmlns:p="http://schemas.openxmlformats.org/presentationml/2006/main">
   <p:cSld>
     <p:spTree>

--- a/Programación web/Presentación.pptx
+++ b/Programación web/Presentación.pptx
@@ -220,7 +220,7 @@
           <a:p>
             <a:fld id="{7FF7D7FF-DDC7-474C-8526-899954A31AD1}" type="datetimeFigureOut">
               <a:rPr lang="es-EC" smtClean="0"/>
-              <a:t>1/4/2024</a:t>
+              <a:t>4/4/2024</a:t>
             </a:fld>
             <a:endParaRPr lang="es-EC"/>
           </a:p>
@@ -646,7 +646,7 @@
           <a:p>
             <a:fld id="{8FEB83C7-CE7D-EE43-931B-A983B2AE7CF3}" type="datetimeFigureOut">
               <a:rPr lang="es-EC" smtClean="0"/>
-              <a:t>1/4/2024</a:t>
+              <a:t>4/4/2024</a:t>
             </a:fld>
             <a:endParaRPr lang="es-EC"/>
           </a:p>
@@ -2852,7 +2852,7 @@
         <p:spPr>
           <a:xfrm>
             <a:off x="6375918" y="2576049"/>
-            <a:ext cx="4438779" cy="3693319"/>
+            <a:ext cx="4438779" cy="3970318"/>
           </a:xfrm>
           <a:prstGeom prst="rect">
             <a:avLst/>
@@ -2914,6 +2914,20 @@
             <a:r>
               <a:rPr lang="es-419" dirty="0"/>
               <a:t>Características del rompecabezas</a:t>
+            </a:r>
+          </a:p>
+          <a:p>
+            <a:pPr marL="285750" indent="-285750">
+              <a:buFont typeface="Arial" panose="020B0604020202020204" pitchFamily="34" charset="0"/>
+              <a:buChar char="•"/>
+            </a:pPr>
+            <a:r>
+              <a:rPr lang="es-419" dirty="0">
+                <a:solidFill>
+                  <a:srgbClr val="FF0000"/>
+                </a:solidFill>
+              </a:rPr>
+              <a:t>Piezas de material reciclable</a:t>
             </a:r>
           </a:p>
           <a:p>
